--- a/DrugDeliverancePPT-Final.pptx
+++ b/DrugDeliverancePPT-Final.pptx
@@ -3335,10 +3335,10 @@
       </p:grpSpPr>
       <p:pic>
         <p:nvPicPr>
-          <p:cNvPr id="9" name="Picture 8">
-            <a:extLst>
-              <a:ext uri="{FF2B5EF4-FFF2-40B4-BE49-F238E27FC236}">
-                <a16:creationId xmlns:a16="http://schemas.microsoft.com/office/drawing/2014/main" id="{9F7D12F1-4367-41AC-9D52-77B1D993BA04}"/>
+          <p:cNvPr id="4" name="Picture 3">
+            <a:extLst>
+              <a:ext uri="{FF2B5EF4-FFF2-40B4-BE49-F238E27FC236}">
+                <a16:creationId xmlns:a16="http://schemas.microsoft.com/office/drawing/2014/main" id="{385B21E4-E6E8-4720-86E7-BFDA33959CE0}"/>
               </a:ext>
             </a:extLst>
           </p:cNvPr>
@@ -3355,8 +3355,8 @@
         </p:blipFill>
         <p:spPr>
           <a:xfrm>
-            <a:off x="0" y="2238981"/>
-            <a:ext cx="6928528" cy="4619019"/>
+            <a:off x="1" y="3252075"/>
+            <a:ext cx="6928528" cy="3605925"/>
           </a:xfrm>
           <a:prstGeom prst="rect">
             <a:avLst/>
@@ -3573,7 +3573,7 @@
         </p:blipFill>
         <p:spPr>
           <a:xfrm>
-            <a:off x="0" y="0"/>
+            <a:off x="0" y="-62144"/>
             <a:ext cx="6928528" cy="3897297"/>
           </a:xfrm>
           <a:prstGeom prst="rect">
@@ -3845,7 +3845,7 @@
           <a:p>
             <a:r>
               <a:rPr lang="en-US" dirty="0"/>
-              <a:t>Unemployment Rate by state and year.</a:t>
+              <a:t>Unemployment rate by state and year.</a:t>
             </a:r>
           </a:p>
           <a:p>

--- a/DrugDeliverancePPT-Final.pptx
+++ b/DrugDeliverancePPT-Final.pptx
@@ -266,7 +266,7 @@
           <a:p>
             <a:fld id="{0E4C579C-9037-014F-9351-387EDA9F6EAC}" type="datetimeFigureOut">
               <a:rPr lang="en-US" smtClean="0"/>
-              <a:t>11/12/2020</a:t>
+              <a:t>11/12/20</a:t>
             </a:fld>
             <a:endParaRPr lang="en-US"/>
           </a:p>
@@ -464,7 +464,7 @@
           <a:p>
             <a:fld id="{0E4C579C-9037-014F-9351-387EDA9F6EAC}" type="datetimeFigureOut">
               <a:rPr lang="en-US" smtClean="0"/>
-              <a:t>11/12/2020</a:t>
+              <a:t>11/12/20</a:t>
             </a:fld>
             <a:endParaRPr lang="en-US"/>
           </a:p>
@@ -672,7 +672,7 @@
           <a:p>
             <a:fld id="{0E4C579C-9037-014F-9351-387EDA9F6EAC}" type="datetimeFigureOut">
               <a:rPr lang="en-US" smtClean="0"/>
-              <a:t>11/12/2020</a:t>
+              <a:t>11/12/20</a:t>
             </a:fld>
             <a:endParaRPr lang="en-US"/>
           </a:p>
@@ -870,7 +870,7 @@
           <a:p>
             <a:fld id="{0E4C579C-9037-014F-9351-387EDA9F6EAC}" type="datetimeFigureOut">
               <a:rPr lang="en-US" smtClean="0"/>
-              <a:t>11/12/2020</a:t>
+              <a:t>11/12/20</a:t>
             </a:fld>
             <a:endParaRPr lang="en-US"/>
           </a:p>
@@ -1145,7 +1145,7 @@
           <a:p>
             <a:fld id="{0E4C579C-9037-014F-9351-387EDA9F6EAC}" type="datetimeFigureOut">
               <a:rPr lang="en-US" smtClean="0"/>
-              <a:t>11/12/2020</a:t>
+              <a:t>11/12/20</a:t>
             </a:fld>
             <a:endParaRPr lang="en-US"/>
           </a:p>
@@ -1410,7 +1410,7 @@
           <a:p>
             <a:fld id="{0E4C579C-9037-014F-9351-387EDA9F6EAC}" type="datetimeFigureOut">
               <a:rPr lang="en-US" smtClean="0"/>
-              <a:t>11/12/2020</a:t>
+              <a:t>11/12/20</a:t>
             </a:fld>
             <a:endParaRPr lang="en-US"/>
           </a:p>
@@ -1822,7 +1822,7 @@
           <a:p>
             <a:fld id="{0E4C579C-9037-014F-9351-387EDA9F6EAC}" type="datetimeFigureOut">
               <a:rPr lang="en-US" smtClean="0"/>
-              <a:t>11/12/2020</a:t>
+              <a:t>11/12/20</a:t>
             </a:fld>
             <a:endParaRPr lang="en-US"/>
           </a:p>
@@ -1963,7 +1963,7 @@
           <a:p>
             <a:fld id="{0E4C579C-9037-014F-9351-387EDA9F6EAC}" type="datetimeFigureOut">
               <a:rPr lang="en-US" smtClean="0"/>
-              <a:t>11/12/2020</a:t>
+              <a:t>11/12/20</a:t>
             </a:fld>
             <a:endParaRPr lang="en-US"/>
           </a:p>
@@ -2076,7 +2076,7 @@
           <a:p>
             <a:fld id="{0E4C579C-9037-014F-9351-387EDA9F6EAC}" type="datetimeFigureOut">
               <a:rPr lang="en-US" smtClean="0"/>
-              <a:t>11/12/2020</a:t>
+              <a:t>11/12/20</a:t>
             </a:fld>
             <a:endParaRPr lang="en-US"/>
           </a:p>
@@ -2387,7 +2387,7 @@
           <a:p>
             <a:fld id="{0E4C579C-9037-014F-9351-387EDA9F6EAC}" type="datetimeFigureOut">
               <a:rPr lang="en-US" smtClean="0"/>
-              <a:t>11/12/2020</a:t>
+              <a:t>11/12/20</a:t>
             </a:fld>
             <a:endParaRPr lang="en-US"/>
           </a:p>
@@ -2675,7 +2675,7 @@
           <a:p>
             <a:fld id="{0E4C579C-9037-014F-9351-387EDA9F6EAC}" type="datetimeFigureOut">
               <a:rPr lang="en-US" smtClean="0"/>
-              <a:t>11/12/2020</a:t>
+              <a:t>11/12/20</a:t>
             </a:fld>
             <a:endParaRPr lang="en-US"/>
           </a:p>
@@ -2916,7 +2916,7 @@
           <a:p>
             <a:fld id="{0E4C579C-9037-014F-9351-387EDA9F6EAC}" type="datetimeFigureOut">
               <a:rPr lang="en-US" smtClean="0"/>
-              <a:t>11/12/2020</a:t>
+              <a:t>11/12/20</a:t>
             </a:fld>
             <a:endParaRPr lang="en-US"/>
           </a:p>
@@ -3566,7 +3566,9 @@
           <p:nvPr/>
         </p:nvPicPr>
         <p:blipFill>
-          <a:blip r:embed="rId3"/>
+          <a:blip r:embed="rId3">
+            <a:alphaModFix/>
+          </a:blip>
           <a:stretch>
             <a:fillRect/>
           </a:stretch>
@@ -3579,6 +3581,11 @@
           <a:prstGeom prst="rect">
             <a:avLst/>
           </a:prstGeom>
+          <a:blipFill dpi="0" rotWithShape="1">
+            <a:blip r:embed="rId4"/>
+            <a:srcRect/>
+            <a:tile tx="0" ty="0" sx="100000" sy="100000" flip="none" algn="tl"/>
+          </a:blipFill>
         </p:spPr>
       </p:pic>
     </p:spTree>

--- a/DrugDeliverancePPT-Final.pptx
+++ b/DrugDeliverancePPT-Final.pptx
@@ -13,6 +13,7 @@
     <p:sldId id="265" r:id="rId7"/>
     <p:sldId id="263" r:id="rId8"/>
     <p:sldId id="264" r:id="rId9"/>
+    <p:sldId id="266" r:id="rId10"/>
   </p:sldIdLst>
   <p:sldSz cx="12192000" cy="6858000"/>
   <p:notesSz cx="6858000" cy="9144000"/>
@@ -266,7 +267,7 @@
           <a:p>
             <a:fld id="{0E4C579C-9037-014F-9351-387EDA9F6EAC}" type="datetimeFigureOut">
               <a:rPr lang="en-US" smtClean="0"/>
-              <a:t>11/12/20</a:t>
+              <a:t>11/14/20</a:t>
             </a:fld>
             <a:endParaRPr lang="en-US"/>
           </a:p>
@@ -464,7 +465,7 @@
           <a:p>
             <a:fld id="{0E4C579C-9037-014F-9351-387EDA9F6EAC}" type="datetimeFigureOut">
               <a:rPr lang="en-US" smtClean="0"/>
-              <a:t>11/12/20</a:t>
+              <a:t>11/14/20</a:t>
             </a:fld>
             <a:endParaRPr lang="en-US"/>
           </a:p>
@@ -672,7 +673,7 @@
           <a:p>
             <a:fld id="{0E4C579C-9037-014F-9351-387EDA9F6EAC}" type="datetimeFigureOut">
               <a:rPr lang="en-US" smtClean="0"/>
-              <a:t>11/12/20</a:t>
+              <a:t>11/14/20</a:t>
             </a:fld>
             <a:endParaRPr lang="en-US"/>
           </a:p>
@@ -870,7 +871,7 @@
           <a:p>
             <a:fld id="{0E4C579C-9037-014F-9351-387EDA9F6EAC}" type="datetimeFigureOut">
               <a:rPr lang="en-US" smtClean="0"/>
-              <a:t>11/12/20</a:t>
+              <a:t>11/14/20</a:t>
             </a:fld>
             <a:endParaRPr lang="en-US"/>
           </a:p>
@@ -1145,7 +1146,7 @@
           <a:p>
             <a:fld id="{0E4C579C-9037-014F-9351-387EDA9F6EAC}" type="datetimeFigureOut">
               <a:rPr lang="en-US" smtClean="0"/>
-              <a:t>11/12/20</a:t>
+              <a:t>11/14/20</a:t>
             </a:fld>
             <a:endParaRPr lang="en-US"/>
           </a:p>
@@ -1410,7 +1411,7 @@
           <a:p>
             <a:fld id="{0E4C579C-9037-014F-9351-387EDA9F6EAC}" type="datetimeFigureOut">
               <a:rPr lang="en-US" smtClean="0"/>
-              <a:t>11/12/20</a:t>
+              <a:t>11/14/20</a:t>
             </a:fld>
             <a:endParaRPr lang="en-US"/>
           </a:p>
@@ -1822,7 +1823,7 @@
           <a:p>
             <a:fld id="{0E4C579C-9037-014F-9351-387EDA9F6EAC}" type="datetimeFigureOut">
               <a:rPr lang="en-US" smtClean="0"/>
-              <a:t>11/12/20</a:t>
+              <a:t>11/14/20</a:t>
             </a:fld>
             <a:endParaRPr lang="en-US"/>
           </a:p>
@@ -1963,7 +1964,7 @@
           <a:p>
             <a:fld id="{0E4C579C-9037-014F-9351-387EDA9F6EAC}" type="datetimeFigureOut">
               <a:rPr lang="en-US" smtClean="0"/>
-              <a:t>11/12/20</a:t>
+              <a:t>11/14/20</a:t>
             </a:fld>
             <a:endParaRPr lang="en-US"/>
           </a:p>
@@ -2076,7 +2077,7 @@
           <a:p>
             <a:fld id="{0E4C579C-9037-014F-9351-387EDA9F6EAC}" type="datetimeFigureOut">
               <a:rPr lang="en-US" smtClean="0"/>
-              <a:t>11/12/20</a:t>
+              <a:t>11/14/20</a:t>
             </a:fld>
             <a:endParaRPr lang="en-US"/>
           </a:p>
@@ -2387,7 +2388,7 @@
           <a:p>
             <a:fld id="{0E4C579C-9037-014F-9351-387EDA9F6EAC}" type="datetimeFigureOut">
               <a:rPr lang="en-US" smtClean="0"/>
-              <a:t>11/12/20</a:t>
+              <a:t>11/14/20</a:t>
             </a:fld>
             <a:endParaRPr lang="en-US"/>
           </a:p>
@@ -2675,7 +2676,7 @@
           <a:p>
             <a:fld id="{0E4C579C-9037-014F-9351-387EDA9F6EAC}" type="datetimeFigureOut">
               <a:rPr lang="en-US" smtClean="0"/>
-              <a:t>11/12/20</a:t>
+              <a:t>11/14/20</a:t>
             </a:fld>
             <a:endParaRPr lang="en-US"/>
           </a:p>
@@ -2916,7 +2917,7 @@
           <a:p>
             <a:fld id="{0E4C579C-9037-014F-9351-387EDA9F6EAC}" type="datetimeFigureOut">
               <a:rPr lang="en-US" smtClean="0"/>
-              <a:t>11/12/20</a:t>
+              <a:t>11/14/20</a:t>
             </a:fld>
             <a:endParaRPr lang="en-US"/>
           </a:p>
@@ -3333,36 +3334,6 @@
           <a:chExt cx="0" cy="0"/>
         </a:xfrm>
       </p:grpSpPr>
-      <p:pic>
-        <p:nvPicPr>
-          <p:cNvPr id="4" name="Picture 3">
-            <a:extLst>
-              <a:ext uri="{FF2B5EF4-FFF2-40B4-BE49-F238E27FC236}">
-                <a16:creationId xmlns:a16="http://schemas.microsoft.com/office/drawing/2014/main" id="{385B21E4-E6E8-4720-86E7-BFDA33959CE0}"/>
-              </a:ext>
-            </a:extLst>
-          </p:cNvPr>
-          <p:cNvPicPr>
-            <a:picLocks noChangeAspect="1"/>
-          </p:cNvPicPr>
-          <p:nvPr/>
-        </p:nvPicPr>
-        <p:blipFill>
-          <a:blip r:embed="rId2"/>
-          <a:stretch>
-            <a:fillRect/>
-          </a:stretch>
-        </p:blipFill>
-        <p:spPr>
-          <a:xfrm>
-            <a:off x="1" y="3252075"/>
-            <a:ext cx="6928528" cy="3605925"/>
-          </a:xfrm>
-          <a:prstGeom prst="rect">
-            <a:avLst/>
-          </a:prstGeom>
-        </p:spPr>
-      </p:pic>
       <p:sp>
         <p:nvSpPr>
           <p:cNvPr id="6" name="Rectangle 5">
@@ -3395,10 +3366,12 @@
                   <a:alpha val="64000"/>
                 </a:schemeClr>
               </a:gs>
-              <a:gs pos="13000">
-                <a:schemeClr val="bg1"/>
+              <a:gs pos="99000">
+                <a:schemeClr val="bg1">
+                  <a:alpha val="0"/>
+                </a:schemeClr>
               </a:gs>
-              <a:gs pos="3000">
+              <a:gs pos="26000">
                 <a:schemeClr val="accent1">
                   <a:lumMod val="30000"/>
                   <a:lumOff val="70000"/>
@@ -3434,7 +3407,7 @@
           <a:lstStyle/>
           <a:p>
             <a:pPr algn="ctr"/>
-            <a:endParaRPr lang="en-US"/>
+            <a:endParaRPr lang="en-US" dirty="0"/>
           </a:p>
         </p:txBody>
       </p:sp>
@@ -3566,7 +3539,7 @@
           <p:nvPr/>
         </p:nvPicPr>
         <p:blipFill>
-          <a:blip r:embed="rId3">
+          <a:blip r:embed="rId2">
             <a:alphaModFix/>
           </a:blip>
           <a:stretch>
@@ -3581,11 +3554,131 @@
           <a:prstGeom prst="rect">
             <a:avLst/>
           </a:prstGeom>
-          <a:blipFill dpi="0" rotWithShape="1">
-            <a:blip r:embed="rId4"/>
-            <a:srcRect/>
-            <a:tile tx="0" ty="0" sx="100000" sy="100000" flip="none" algn="tl"/>
-          </a:blipFill>
+          <a:solidFill>
+            <a:schemeClr val="accent1"/>
+          </a:solidFill>
+          <a:ln>
+            <a:gradFill>
+              <a:gsLst>
+                <a:gs pos="0">
+                  <a:schemeClr val="accent1">
+                    <a:lumMod val="5000"/>
+                    <a:lumOff val="95000"/>
+                  </a:schemeClr>
+                </a:gs>
+                <a:gs pos="74000">
+                  <a:schemeClr val="accent1">
+                    <a:lumMod val="45000"/>
+                    <a:lumOff val="55000"/>
+                  </a:schemeClr>
+                </a:gs>
+                <a:gs pos="82000">
+                  <a:schemeClr val="accent1">
+                    <a:lumMod val="0"/>
+                    <a:lumOff val="100000"/>
+                  </a:schemeClr>
+                </a:gs>
+                <a:gs pos="99000">
+                  <a:schemeClr val="accent1">
+                    <a:lumMod val="30000"/>
+                    <a:lumOff val="70000"/>
+                  </a:schemeClr>
+                </a:gs>
+              </a:gsLst>
+              <a:lin ang="5400000" scaled="1"/>
+            </a:gradFill>
+          </a:ln>
+        </p:spPr>
+      </p:pic>
+      <p:pic>
+        <p:nvPicPr>
+          <p:cNvPr id="4" name="Picture 3">
+            <a:extLst>
+              <a:ext uri="{FF2B5EF4-FFF2-40B4-BE49-F238E27FC236}">
+                <a16:creationId xmlns:a16="http://schemas.microsoft.com/office/drawing/2014/main" id="{385B21E4-E6E8-4720-86E7-BFDA33959CE0}"/>
+              </a:ext>
+            </a:extLst>
+          </p:cNvPr>
+          <p:cNvPicPr>
+            <a:picLocks noChangeAspect="1"/>
+          </p:cNvPicPr>
+          <p:nvPr/>
+        </p:nvPicPr>
+        <p:blipFill>
+          <a:blip r:embed="rId3"/>
+          <a:stretch>
+            <a:fillRect/>
+          </a:stretch>
+        </p:blipFill>
+        <p:spPr>
+          <a:xfrm>
+            <a:off x="1" y="3252075"/>
+            <a:ext cx="6928528" cy="3605925"/>
+          </a:xfrm>
+          <a:prstGeom prst="rect">
+            <a:avLst/>
+          </a:prstGeom>
+          <a:gradFill>
+            <a:gsLst>
+              <a:gs pos="0">
+                <a:schemeClr val="accent1">
+                  <a:lumMod val="5000"/>
+                  <a:lumOff val="95000"/>
+                </a:schemeClr>
+              </a:gs>
+              <a:gs pos="0">
+                <a:schemeClr val="tx1">
+                  <a:alpha val="0"/>
+                </a:schemeClr>
+              </a:gs>
+              <a:gs pos="58000">
+                <a:schemeClr val="accent1">
+                  <a:lumMod val="0"/>
+                  <a:lumOff val="100000"/>
+                </a:schemeClr>
+              </a:gs>
+              <a:gs pos="54000">
+                <a:schemeClr val="accent1">
+                  <a:lumMod val="30000"/>
+                  <a:lumOff val="70000"/>
+                </a:schemeClr>
+              </a:gs>
+            </a:gsLst>
+            <a:lin ang="5400000" scaled="1"/>
+          </a:gradFill>
+          <a:ln>
+            <a:gradFill flip="none" rotWithShape="1">
+              <a:gsLst>
+                <a:gs pos="0">
+                  <a:schemeClr val="accent1">
+                    <a:lumMod val="5000"/>
+                    <a:lumOff val="95000"/>
+                  </a:schemeClr>
+                </a:gs>
+                <a:gs pos="73000">
+                  <a:schemeClr val="accent1">
+                    <a:lumMod val="45000"/>
+                    <a:lumOff val="55000"/>
+                    <a:alpha val="0"/>
+                  </a:schemeClr>
+                </a:gs>
+                <a:gs pos="83000">
+                  <a:schemeClr val="accent1">
+                    <a:lumMod val="45000"/>
+                    <a:lumOff val="55000"/>
+                  </a:schemeClr>
+                </a:gs>
+                <a:gs pos="99000">
+                  <a:schemeClr val="accent1">
+                    <a:lumMod val="0"/>
+                    <a:lumOff val="100000"/>
+                  </a:schemeClr>
+                </a:gs>
+              </a:gsLst>
+              <a:lin ang="18900000" scaled="1"/>
+              <a:tileRect/>
+            </a:gradFill>
+          </a:ln>
         </p:spPr>
       </p:pic>
     </p:spTree>
@@ -5122,6 +5215,112 @@
     <p:extLst>
       <p:ext uri="{BB962C8B-B14F-4D97-AF65-F5344CB8AC3E}">
         <p14:creationId xmlns:p14="http://schemas.microsoft.com/office/powerpoint/2010/main" val="1679480100"/>
+      </p:ext>
+    </p:extLst>
+  </p:cSld>
+  <p:clrMapOvr>
+    <a:masterClrMapping/>
+  </p:clrMapOvr>
+</p:sld>
+</file>
+
+<file path=ppt/slides/slide9.xml><?xml version="1.0" encoding="utf-8"?>
+<p:sld xmlns:a="http://schemas.openxmlformats.org/drawingml/2006/main" xmlns:r="http://schemas.openxmlformats.org/officeDocument/2006/relationships" xmlns:p="http://schemas.openxmlformats.org/presentationml/2006/main">
+  <p:cSld>
+    <p:bg>
+      <p:bgPr>
+        <a:solidFill>
+          <a:srgbClr val="F6F8F5"/>
+        </a:solidFill>
+        <a:effectLst/>
+      </p:bgPr>
+    </p:bg>
+    <p:spTree>
+      <p:nvGrpSpPr>
+        <p:cNvPr id="1" name=""/>
+        <p:cNvGrpSpPr/>
+        <p:nvPr/>
+      </p:nvGrpSpPr>
+      <p:grpSpPr>
+        <a:xfrm>
+          <a:off x="0" y="0"/>
+          <a:ext cx="0" cy="0"/>
+          <a:chOff x="0" y="0"/>
+          <a:chExt cx="0" cy="0"/>
+        </a:xfrm>
+      </p:grpSpPr>
+      <p:sp>
+        <p:nvSpPr>
+          <p:cNvPr id="3" name="Content Placeholder 2">
+            <a:extLst>
+              <a:ext uri="{FF2B5EF4-FFF2-40B4-BE49-F238E27FC236}">
+                <a16:creationId xmlns:a16="http://schemas.microsoft.com/office/drawing/2014/main" id="{0DC2AB5D-B6FD-D84C-8857-C329A3668DB3}"/>
+              </a:ext>
+            </a:extLst>
+          </p:cNvPr>
+          <p:cNvSpPr>
+            <a:spLocks noGrp="1"/>
+          </p:cNvSpPr>
+          <p:nvPr>
+            <p:ph idx="1"/>
+          </p:nvPr>
+        </p:nvSpPr>
+        <p:spPr>
+          <a:xfrm>
+            <a:off x="6833287" y="4806778"/>
+            <a:ext cx="4868562" cy="1451920"/>
+          </a:xfrm>
+        </p:spPr>
+        <p:txBody>
+          <a:bodyPr>
+            <a:normAutofit fontScale="77500" lnSpcReduction="20000"/>
+          </a:bodyPr>
+          <a:lstStyle/>
+          <a:p>
+            <a:pPr marL="0" indent="0">
+              <a:buNone/>
+            </a:pPr>
+            <a:r>
+              <a:rPr lang="en-US" sz="9600" dirty="0"/>
+              <a:t>Questions?</a:t>
+            </a:r>
+          </a:p>
+        </p:txBody>
+      </p:sp>
+      <p:pic>
+        <p:nvPicPr>
+          <p:cNvPr id="6" name="Picture 5">
+            <a:extLst>
+              <a:ext uri="{FF2B5EF4-FFF2-40B4-BE49-F238E27FC236}">
+                <a16:creationId xmlns:a16="http://schemas.microsoft.com/office/drawing/2014/main" id="{C9DE3CC0-6A7C-924F-84B0-E2C67B5B5415}"/>
+              </a:ext>
+            </a:extLst>
+          </p:cNvPr>
+          <p:cNvPicPr>
+            <a:picLocks noChangeAspect="1"/>
+          </p:cNvPicPr>
+          <p:nvPr/>
+        </p:nvPicPr>
+        <p:blipFill>
+          <a:blip r:embed="rId2"/>
+          <a:stretch>
+            <a:fillRect/>
+          </a:stretch>
+        </p:blipFill>
+        <p:spPr>
+          <a:xfrm>
+            <a:off x="490151" y="390970"/>
+            <a:ext cx="5928156" cy="5141768"/>
+          </a:xfrm>
+          <a:prstGeom prst="rect">
+            <a:avLst/>
+          </a:prstGeom>
+        </p:spPr>
+      </p:pic>
+    </p:spTree>
+    <p:extLst>
+      <p:ext uri="{BB962C8B-B14F-4D97-AF65-F5344CB8AC3E}">
+        <p14:creationId xmlns:p14="http://schemas.microsoft.com/office/powerpoint/2010/main" val="448526627"/>
       </p:ext>
     </p:extLst>
   </p:cSld>

--- a/DrugDeliverancePPT-Final.pptx
+++ b/DrugDeliverancePPT-Final.pptx
@@ -13,6 +13,7 @@
     <p:sldId id="265" r:id="rId7"/>
     <p:sldId id="263" r:id="rId8"/>
     <p:sldId id="264" r:id="rId9"/>
+    <p:sldId id="266" r:id="rId10"/>
   </p:sldIdLst>
   <p:sldSz cx="12192000" cy="6858000"/>
   <p:notesSz cx="6858000" cy="9144000"/>
@@ -266,7 +267,7 @@
           <a:p>
             <a:fld id="{0E4C579C-9037-014F-9351-387EDA9F6EAC}" type="datetimeFigureOut">
               <a:rPr lang="en-US" smtClean="0"/>
-              <a:t>11/12/20</a:t>
+              <a:t>11/14/2020</a:t>
             </a:fld>
             <a:endParaRPr lang="en-US"/>
           </a:p>
@@ -464,7 +465,7 @@
           <a:p>
             <a:fld id="{0E4C579C-9037-014F-9351-387EDA9F6EAC}" type="datetimeFigureOut">
               <a:rPr lang="en-US" smtClean="0"/>
-              <a:t>11/12/20</a:t>
+              <a:t>11/14/2020</a:t>
             </a:fld>
             <a:endParaRPr lang="en-US"/>
           </a:p>
@@ -672,7 +673,7 @@
           <a:p>
             <a:fld id="{0E4C579C-9037-014F-9351-387EDA9F6EAC}" type="datetimeFigureOut">
               <a:rPr lang="en-US" smtClean="0"/>
-              <a:t>11/12/20</a:t>
+              <a:t>11/14/2020</a:t>
             </a:fld>
             <a:endParaRPr lang="en-US"/>
           </a:p>
@@ -870,7 +871,7 @@
           <a:p>
             <a:fld id="{0E4C579C-9037-014F-9351-387EDA9F6EAC}" type="datetimeFigureOut">
               <a:rPr lang="en-US" smtClean="0"/>
-              <a:t>11/12/20</a:t>
+              <a:t>11/14/2020</a:t>
             </a:fld>
             <a:endParaRPr lang="en-US"/>
           </a:p>
@@ -1145,7 +1146,7 @@
           <a:p>
             <a:fld id="{0E4C579C-9037-014F-9351-387EDA9F6EAC}" type="datetimeFigureOut">
               <a:rPr lang="en-US" smtClean="0"/>
-              <a:t>11/12/20</a:t>
+              <a:t>11/14/2020</a:t>
             </a:fld>
             <a:endParaRPr lang="en-US"/>
           </a:p>
@@ -1410,7 +1411,7 @@
           <a:p>
             <a:fld id="{0E4C579C-9037-014F-9351-387EDA9F6EAC}" type="datetimeFigureOut">
               <a:rPr lang="en-US" smtClean="0"/>
-              <a:t>11/12/20</a:t>
+              <a:t>11/14/2020</a:t>
             </a:fld>
             <a:endParaRPr lang="en-US"/>
           </a:p>
@@ -1822,7 +1823,7 @@
           <a:p>
             <a:fld id="{0E4C579C-9037-014F-9351-387EDA9F6EAC}" type="datetimeFigureOut">
               <a:rPr lang="en-US" smtClean="0"/>
-              <a:t>11/12/20</a:t>
+              <a:t>11/14/2020</a:t>
             </a:fld>
             <a:endParaRPr lang="en-US"/>
           </a:p>
@@ -1963,7 +1964,7 @@
           <a:p>
             <a:fld id="{0E4C579C-9037-014F-9351-387EDA9F6EAC}" type="datetimeFigureOut">
               <a:rPr lang="en-US" smtClean="0"/>
-              <a:t>11/12/20</a:t>
+              <a:t>11/14/2020</a:t>
             </a:fld>
             <a:endParaRPr lang="en-US"/>
           </a:p>
@@ -2076,7 +2077,7 @@
           <a:p>
             <a:fld id="{0E4C579C-9037-014F-9351-387EDA9F6EAC}" type="datetimeFigureOut">
               <a:rPr lang="en-US" smtClean="0"/>
-              <a:t>11/12/20</a:t>
+              <a:t>11/14/2020</a:t>
             </a:fld>
             <a:endParaRPr lang="en-US"/>
           </a:p>
@@ -2387,7 +2388,7 @@
           <a:p>
             <a:fld id="{0E4C579C-9037-014F-9351-387EDA9F6EAC}" type="datetimeFigureOut">
               <a:rPr lang="en-US" smtClean="0"/>
-              <a:t>11/12/20</a:t>
+              <a:t>11/14/2020</a:t>
             </a:fld>
             <a:endParaRPr lang="en-US"/>
           </a:p>
@@ -2675,7 +2676,7 @@
           <a:p>
             <a:fld id="{0E4C579C-9037-014F-9351-387EDA9F6EAC}" type="datetimeFigureOut">
               <a:rPr lang="en-US" smtClean="0"/>
-              <a:t>11/12/20</a:t>
+              <a:t>11/14/2020</a:t>
             </a:fld>
             <a:endParaRPr lang="en-US"/>
           </a:p>
@@ -2916,7 +2917,7 @@
           <a:p>
             <a:fld id="{0E4C579C-9037-014F-9351-387EDA9F6EAC}" type="datetimeFigureOut">
               <a:rPr lang="en-US" smtClean="0"/>
-              <a:t>11/12/20</a:t>
+              <a:t>11/14/2020</a:t>
             </a:fld>
             <a:endParaRPr lang="en-US"/>
           </a:p>
@@ -3333,36 +3334,6 @@
           <a:chExt cx="0" cy="0"/>
         </a:xfrm>
       </p:grpSpPr>
-      <p:pic>
-        <p:nvPicPr>
-          <p:cNvPr id="4" name="Picture 3">
-            <a:extLst>
-              <a:ext uri="{FF2B5EF4-FFF2-40B4-BE49-F238E27FC236}">
-                <a16:creationId xmlns:a16="http://schemas.microsoft.com/office/drawing/2014/main" id="{385B21E4-E6E8-4720-86E7-BFDA33959CE0}"/>
-              </a:ext>
-            </a:extLst>
-          </p:cNvPr>
-          <p:cNvPicPr>
-            <a:picLocks noChangeAspect="1"/>
-          </p:cNvPicPr>
-          <p:nvPr/>
-        </p:nvPicPr>
-        <p:blipFill>
-          <a:blip r:embed="rId2"/>
-          <a:stretch>
-            <a:fillRect/>
-          </a:stretch>
-        </p:blipFill>
-        <p:spPr>
-          <a:xfrm>
-            <a:off x="1" y="3252075"/>
-            <a:ext cx="6928528" cy="3605925"/>
-          </a:xfrm>
-          <a:prstGeom prst="rect">
-            <a:avLst/>
-          </a:prstGeom>
-        </p:spPr>
-      </p:pic>
       <p:sp>
         <p:nvSpPr>
           <p:cNvPr id="6" name="Rectangle 5">
@@ -3395,10 +3366,12 @@
                   <a:alpha val="64000"/>
                 </a:schemeClr>
               </a:gs>
-              <a:gs pos="13000">
-                <a:schemeClr val="bg1"/>
+              <a:gs pos="99000">
+                <a:schemeClr val="bg1">
+                  <a:alpha val="0"/>
+                </a:schemeClr>
               </a:gs>
-              <a:gs pos="3000">
+              <a:gs pos="26000">
                 <a:schemeClr val="accent1">
                   <a:lumMod val="30000"/>
                   <a:lumOff val="70000"/>
@@ -3434,7 +3407,7 @@
           <a:lstStyle/>
           <a:p>
             <a:pPr algn="ctr"/>
-            <a:endParaRPr lang="en-US"/>
+            <a:endParaRPr lang="en-US" dirty="0"/>
           </a:p>
         </p:txBody>
       </p:sp>
@@ -3566,7 +3539,7 @@
           <p:nvPr/>
         </p:nvPicPr>
         <p:blipFill>
-          <a:blip r:embed="rId3">
+          <a:blip r:embed="rId2">
             <a:alphaModFix/>
           </a:blip>
           <a:stretch>
@@ -3581,11 +3554,131 @@
           <a:prstGeom prst="rect">
             <a:avLst/>
           </a:prstGeom>
-          <a:blipFill dpi="0" rotWithShape="1">
-            <a:blip r:embed="rId4"/>
-            <a:srcRect/>
-            <a:tile tx="0" ty="0" sx="100000" sy="100000" flip="none" algn="tl"/>
-          </a:blipFill>
+          <a:solidFill>
+            <a:schemeClr val="accent1"/>
+          </a:solidFill>
+          <a:ln>
+            <a:gradFill>
+              <a:gsLst>
+                <a:gs pos="0">
+                  <a:schemeClr val="accent1">
+                    <a:lumMod val="5000"/>
+                    <a:lumOff val="95000"/>
+                  </a:schemeClr>
+                </a:gs>
+                <a:gs pos="74000">
+                  <a:schemeClr val="accent1">
+                    <a:lumMod val="45000"/>
+                    <a:lumOff val="55000"/>
+                  </a:schemeClr>
+                </a:gs>
+                <a:gs pos="82000">
+                  <a:schemeClr val="accent1">
+                    <a:lumMod val="0"/>
+                    <a:lumOff val="100000"/>
+                  </a:schemeClr>
+                </a:gs>
+                <a:gs pos="99000">
+                  <a:schemeClr val="accent1">
+                    <a:lumMod val="30000"/>
+                    <a:lumOff val="70000"/>
+                  </a:schemeClr>
+                </a:gs>
+              </a:gsLst>
+              <a:lin ang="5400000" scaled="1"/>
+            </a:gradFill>
+          </a:ln>
+        </p:spPr>
+      </p:pic>
+      <p:pic>
+        <p:nvPicPr>
+          <p:cNvPr id="4" name="Picture 3">
+            <a:extLst>
+              <a:ext uri="{FF2B5EF4-FFF2-40B4-BE49-F238E27FC236}">
+                <a16:creationId xmlns:a16="http://schemas.microsoft.com/office/drawing/2014/main" id="{385B21E4-E6E8-4720-86E7-BFDA33959CE0}"/>
+              </a:ext>
+            </a:extLst>
+          </p:cNvPr>
+          <p:cNvPicPr>
+            <a:picLocks noChangeAspect="1"/>
+          </p:cNvPicPr>
+          <p:nvPr/>
+        </p:nvPicPr>
+        <p:blipFill>
+          <a:blip r:embed="rId3"/>
+          <a:stretch>
+            <a:fillRect/>
+          </a:stretch>
+        </p:blipFill>
+        <p:spPr>
+          <a:xfrm>
+            <a:off x="1" y="3252075"/>
+            <a:ext cx="6928528" cy="3605925"/>
+          </a:xfrm>
+          <a:prstGeom prst="rect">
+            <a:avLst/>
+          </a:prstGeom>
+          <a:gradFill>
+            <a:gsLst>
+              <a:gs pos="0">
+                <a:schemeClr val="accent1">
+                  <a:lumMod val="5000"/>
+                  <a:lumOff val="95000"/>
+                </a:schemeClr>
+              </a:gs>
+              <a:gs pos="0">
+                <a:schemeClr val="tx1">
+                  <a:alpha val="0"/>
+                </a:schemeClr>
+              </a:gs>
+              <a:gs pos="58000">
+                <a:schemeClr val="accent1">
+                  <a:lumMod val="0"/>
+                  <a:lumOff val="100000"/>
+                </a:schemeClr>
+              </a:gs>
+              <a:gs pos="54000">
+                <a:schemeClr val="accent1">
+                  <a:lumMod val="30000"/>
+                  <a:lumOff val="70000"/>
+                </a:schemeClr>
+              </a:gs>
+            </a:gsLst>
+            <a:lin ang="5400000" scaled="1"/>
+          </a:gradFill>
+          <a:ln>
+            <a:gradFill flip="none" rotWithShape="1">
+              <a:gsLst>
+                <a:gs pos="0">
+                  <a:schemeClr val="accent1">
+                    <a:lumMod val="5000"/>
+                    <a:lumOff val="95000"/>
+                  </a:schemeClr>
+                </a:gs>
+                <a:gs pos="73000">
+                  <a:schemeClr val="accent1">
+                    <a:lumMod val="45000"/>
+                    <a:lumOff val="55000"/>
+                    <a:alpha val="0"/>
+                  </a:schemeClr>
+                </a:gs>
+                <a:gs pos="83000">
+                  <a:schemeClr val="accent1">
+                    <a:lumMod val="45000"/>
+                    <a:lumOff val="55000"/>
+                  </a:schemeClr>
+                </a:gs>
+                <a:gs pos="99000">
+                  <a:schemeClr val="accent1">
+                    <a:lumMod val="0"/>
+                    <a:lumOff val="100000"/>
+                  </a:schemeClr>
+                </a:gs>
+              </a:gsLst>
+              <a:lin ang="18900000" scaled="1"/>
+              <a:tileRect/>
+            </a:gradFill>
+          </a:ln>
         </p:spPr>
       </p:pic>
     </p:spTree>
@@ -5122,6 +5215,112 @@
     <p:extLst>
       <p:ext uri="{BB962C8B-B14F-4D97-AF65-F5344CB8AC3E}">
         <p14:creationId xmlns:p14="http://schemas.microsoft.com/office/powerpoint/2010/main" val="1679480100"/>
+      </p:ext>
+    </p:extLst>
+  </p:cSld>
+  <p:clrMapOvr>
+    <a:masterClrMapping/>
+  </p:clrMapOvr>
+</p:sld>
+</file>
+
+<file path=ppt/slides/slide9.xml><?xml version="1.0" encoding="utf-8"?>
+<p:sld xmlns:a="http://schemas.openxmlformats.org/drawingml/2006/main" xmlns:r="http://schemas.openxmlformats.org/officeDocument/2006/relationships" xmlns:p="http://schemas.openxmlformats.org/presentationml/2006/main">
+  <p:cSld>
+    <p:bg>
+      <p:bgPr>
+        <a:solidFill>
+          <a:srgbClr val="F6F8F5"/>
+        </a:solidFill>
+        <a:effectLst/>
+      </p:bgPr>
+    </p:bg>
+    <p:spTree>
+      <p:nvGrpSpPr>
+        <p:cNvPr id="1" name=""/>
+        <p:cNvGrpSpPr/>
+        <p:nvPr/>
+      </p:nvGrpSpPr>
+      <p:grpSpPr>
+        <a:xfrm>
+          <a:off x="0" y="0"/>
+          <a:ext cx="0" cy="0"/>
+          <a:chOff x="0" y="0"/>
+          <a:chExt cx="0" cy="0"/>
+        </a:xfrm>
+      </p:grpSpPr>
+      <p:sp>
+        <p:nvSpPr>
+          <p:cNvPr id="3" name="Content Placeholder 2">
+            <a:extLst>
+              <a:ext uri="{FF2B5EF4-FFF2-40B4-BE49-F238E27FC236}">
+                <a16:creationId xmlns:a16="http://schemas.microsoft.com/office/drawing/2014/main" id="{0DC2AB5D-B6FD-D84C-8857-C329A3668DB3}"/>
+              </a:ext>
+            </a:extLst>
+          </p:cNvPr>
+          <p:cNvSpPr>
+            <a:spLocks noGrp="1"/>
+          </p:cNvSpPr>
+          <p:nvPr>
+            <p:ph idx="1"/>
+          </p:nvPr>
+        </p:nvSpPr>
+        <p:spPr>
+          <a:xfrm>
+            <a:off x="6833287" y="4806778"/>
+            <a:ext cx="4868562" cy="1451920"/>
+          </a:xfrm>
+        </p:spPr>
+        <p:txBody>
+          <a:bodyPr>
+            <a:normAutofit fontScale="77500" lnSpcReduction="20000"/>
+          </a:bodyPr>
+          <a:lstStyle/>
+          <a:p>
+            <a:pPr marL="0" indent="0">
+              <a:buNone/>
+            </a:pPr>
+            <a:r>
+              <a:rPr lang="en-US" sz="9600" dirty="0"/>
+              <a:t>Questions?</a:t>
+            </a:r>
+          </a:p>
+        </p:txBody>
+      </p:sp>
+      <p:pic>
+        <p:nvPicPr>
+          <p:cNvPr id="6" name="Picture 5">
+            <a:extLst>
+              <a:ext uri="{FF2B5EF4-FFF2-40B4-BE49-F238E27FC236}">
+                <a16:creationId xmlns:a16="http://schemas.microsoft.com/office/drawing/2014/main" id="{C9DE3CC0-6A7C-924F-84B0-E2C67B5B5415}"/>
+              </a:ext>
+            </a:extLst>
+          </p:cNvPr>
+          <p:cNvPicPr>
+            <a:picLocks noChangeAspect="1"/>
+          </p:cNvPicPr>
+          <p:nvPr/>
+        </p:nvPicPr>
+        <p:blipFill>
+          <a:blip r:embed="rId2"/>
+          <a:stretch>
+            <a:fillRect/>
+          </a:stretch>
+        </p:blipFill>
+        <p:spPr>
+          <a:xfrm>
+            <a:off x="490151" y="390970"/>
+            <a:ext cx="5928156" cy="5141768"/>
+          </a:xfrm>
+          <a:prstGeom prst="rect">
+            <a:avLst/>
+          </a:prstGeom>
+        </p:spPr>
+      </p:pic>
+    </p:spTree>
+    <p:extLst>
+      <p:ext uri="{BB962C8B-B14F-4D97-AF65-F5344CB8AC3E}">
+        <p14:creationId xmlns:p14="http://schemas.microsoft.com/office/powerpoint/2010/main" val="448526627"/>
       </p:ext>
     </p:extLst>
   </p:cSld>
